--- a/content/HAN_AdvancedJava_Ch02-Streaming API & Other Java8 Features.pptx
+++ b/content/HAN_AdvancedJava_Ch02-Streaming API & Other Java8 Features.pptx
@@ -322,7 +322,7 @@
       <p15:notesGuideLst xmlns:p15="http://schemas.microsoft.com/office/powerpoint/2012/main"/>
     </p:ext>
     <p:ext uri="http://customooxmlschemas.google.com/">
-      <go:slidesCustomData xmlns="" xmlns:mc="http://schemas.openxmlformats.org/markup-compatibility/2006" xmlns:mv="urn:schemas-microsoft-com:mac:vml" xmlns:c="http://schemas.openxmlformats.org/drawingml/2006/chart" xmlns:dgm="http://schemas.openxmlformats.org/drawingml/2006/diagram" xmlns:o="urn:schemas-microsoft-com:office:office" xmlns:v="urn:schemas-microsoft-com:vml" xmlns:pvml="urn:schemas-microsoft-com:office:powerpoint" xmlns:com="http://schemas.openxmlformats.org/drawingml/2006/compatibility" xmlns:p14="http://schemas.microsoft.com/office/powerpoint/2010/main" xmlns:p15="http://schemas.microsoft.com/office/powerpoint/2012/main" xmlns:go="http://customooxmlschemas.google.com/" r:id="rId56" roundtripDataSignature="AMtx7mh+9/dCSlYobEHwms6iFvXqxM7Fgg=="/>
+      <go:slidesCustomData xmlns:go="http://customooxmlschemas.google.com/" xmlns:p15="http://schemas.microsoft.com/office/powerpoint/2012/main" xmlns:p14="http://schemas.microsoft.com/office/powerpoint/2010/main" xmlns:com="http://schemas.openxmlformats.org/drawingml/2006/compatibility" xmlns:pvml="urn:schemas-microsoft-com:office:powerpoint" xmlns:v="urn:schemas-microsoft-com:vml" xmlns:o="urn:schemas-microsoft-com:office:office" xmlns:dgm="http://schemas.openxmlformats.org/drawingml/2006/diagram" xmlns:c="http://schemas.openxmlformats.org/drawingml/2006/chart" xmlns:mv="urn:schemas-microsoft-com:mac:vml" xmlns:mc="http://schemas.openxmlformats.org/markup-compatibility/2006" xmlns="" r:id="rId56" roundtripDataSignature="AMtx7mh+9/dCSlYobEHwms6iFvXqxM7Fgg=="/>
     </p:ext>
   </p:extLst>
 </p:presentation>
@@ -31788,7 +31788,7 @@
         </p:nvSpPr>
         <p:spPr>
           <a:xfrm>
-            <a:off x="2933698" y="2328017"/>
+            <a:off x="2941317" y="2646565"/>
             <a:ext cx="6324605" cy="1527341"/>
           </a:xfrm>
           <a:prstGeom prst="rect">
@@ -32340,19 +32340,27 @@
             <a:pPr lvl="1"/>
             <a:r>
               <a:rPr lang="en-US" dirty="0"/>
-              <a:t>It returns an array od </a:t>
+              <a:t>It returns an </a:t>
+            </a:r>
+            <a:r>
+              <a:rPr lang="en-US"/>
+              <a:t>array of </a:t>
+            </a:r>
+            <a:r>
+              <a:rPr lang="en-US">
+                <a:latin typeface="Courier New"/>
+                <a:cs typeface="Courier New"/>
+              </a:rPr>
+              <a:t>String</a:t>
             </a:r>
             <a:r>
               <a:rPr lang="en-US" dirty="0">
                 <a:latin typeface="Courier New"/>
                 <a:cs typeface="Courier New"/>
               </a:rPr>
-              <a:t>String</a:t>
-            </a:r>
-            <a:r>
-              <a:rPr lang="en-US" dirty="0"/>
               <a:t>s</a:t>
             </a:r>
+            <a:endParaRPr lang="en-US" dirty="0"/>
           </a:p>
           <a:p>
             <a:pPr lvl="1"/>
@@ -32403,7 +32411,7 @@
         </p:nvSpPr>
         <p:spPr>
           <a:xfrm>
-            <a:off x="2113848" y="2787633"/>
+            <a:off x="1926811" y="3348742"/>
             <a:ext cx="5746803" cy="1077218"/>
           </a:xfrm>
           <a:prstGeom prst="rect">
@@ -32585,7 +32593,7 @@
         </p:nvSpPr>
         <p:spPr bwMode="auto">
           <a:xfrm>
-            <a:off x="8391712" y="2868370"/>
+            <a:off x="8516403" y="3554183"/>
             <a:ext cx="2381379" cy="666336"/>
           </a:xfrm>
           <a:prstGeom prst="wedgeRectCallout">
